--- a/presentation/recon_presentation.pptx
+++ b/presentation/recon_presentation.pptx
@@ -3135,7 +3135,7 @@
           </a:p>
           <a:p>
             <a:r>
-              <a:t>Your Name - May 2025</a:t>
+              <a:t>Lord Kingsley Baffoe - 16 May 2025</a:t>
             </a:r>
           </a:p>
         </p:txBody>
